--- a/szyfrowanie-kwantowe.pptx
+++ b/szyfrowanie-kwantowe.pptx
@@ -2317,7 +2317,7 @@
 @TODO
 Szymon Kaszuba-Galka - ZOSTAW MOJ ZART
 ŻART
-Nie jest tak ciężko zrozumieć na czym polega splątanie. Przedstawie przykład:
+Einstein nie chcial splatania przyjac do wiadomosci a ja uwazam ze jest ono proste - wystarczy wytlumaczyc na skarpetach.
 Skarpety są w parach. Jeśli założysz jedną na swoją lewą stopę,
 to natychmiast ta druga stanie się prawą skarpetką,
 nie ważne gdzie we wszechświecie jest</a:t>
